--- a/Panique à la mine.pptx
+++ b/Panique à la mine.pptx
@@ -119,6 +119,11 @@
       </a:defRPr>
     </a:lvl9pPr>
   </p:defaultTextStyle>
+  <p:extLst>
+    <p:ext uri="{EFAFB233-063F-42B5-8137-9DF3F51BA10A}">
+      <p15:sldGuideLst xmlns:p15="http://schemas.microsoft.com/office/powerpoint/2012/main"/>
+    </p:ext>
+  </p:extLst>
 </p:presentation>
 </file>
 
@@ -3711,7 +3716,6 @@
               <a:rPr lang="fr-FR" dirty="0" smtClean="0"/>
               <a:t>aractéristiques de base (la taille, la vie max, …)</a:t>
             </a:r>
-            <a:endParaRPr lang="fr-FR" dirty="0" smtClean="0"/>
           </a:p>
           <a:p>
             <a:pPr lvl="1">
@@ -4392,7 +4396,6 @@
               <a:rPr lang="fr-FR" sz="2400" dirty="0" smtClean="0"/>
               <a:t>Fonctions Importantes</a:t>
             </a:r>
-            <a:endParaRPr lang="fr-FR" sz="2400" dirty="0" smtClean="0"/>
           </a:p>
           <a:p>
             <a:pPr marL="742950" lvl="1" indent="-285750">
@@ -4602,8 +4605,27 @@
             </a:r>
             <a:r>
               <a:rPr lang="fr-FR" dirty="0" smtClean="0"/>
-              <a:t>Prof 3</a:t>
-            </a:r>
+              <a:t>Prof </a:t>
+            </a:r>
+            <a:r>
+              <a:rPr lang="fr-FR" dirty="0" smtClean="0"/>
+              <a:t>3</a:t>
+            </a:r>
+          </a:p>
+          <a:p>
+            <a:pPr>
+              <a:buFont typeface="Wingdings" panose="05000000000000000000" pitchFamily="2" charset="2"/>
+              <a:buChar char="Ø"/>
+            </a:pPr>
+            <a:r>
+              <a:rPr lang="fr-FR" dirty="0" smtClean="0"/>
+              <a:t>Projet trop </a:t>
+            </a:r>
+            <a:r>
+              <a:rPr lang="fr-FR" smtClean="0"/>
+              <a:t>ambitieu</a:t>
+            </a:r>
+            <a:endParaRPr lang="fr-FR" dirty="0" smtClean="0"/>
           </a:p>
         </p:txBody>
       </p:sp>
@@ -5069,7 +5091,6 @@
               <a:rPr lang="fr-FR" dirty="0" smtClean="0"/>
               <a:t>Menu de lancement</a:t>
             </a:r>
-            <a:endParaRPr lang="fr-FR" dirty="0" smtClean="0"/>
           </a:p>
           <a:p>
             <a:pPr lvl="1">

--- a/Panique à la mine.pptx
+++ b/Panique à la mine.pptx
@@ -209,7 +209,7 @@
           <a:p>
             <a:fld id="{6F951B5C-793A-4ED7-83AE-B4B309988900}" type="datetimeFigureOut">
               <a:rPr lang="fr-FR" smtClean="0"/>
-              <a:t>25/05/2015</a:t>
+              <a:t>26/05/2015</a:t>
             </a:fld>
             <a:endParaRPr lang="fr-FR"/>
           </a:p>
@@ -4011,7 +4011,164 @@
           <a:bodyPr/>
           <a:lstStyle/>
           <a:p>
-            <a:endParaRPr lang="fr-FR"/>
+            <a:pPr>
+              <a:buFont typeface="Wingdings" panose="05000000000000000000" pitchFamily="2" charset="2"/>
+              <a:buChar char="Ø"/>
+            </a:pPr>
+            <a:r>
+              <a:rPr lang="fr-FR" dirty="0" smtClean="0"/>
+              <a:t>Structure Affichage</a:t>
+            </a:r>
+          </a:p>
+          <a:p>
+            <a:pPr lvl="1">
+              <a:buFont typeface="Wingdings" panose="05000000000000000000" pitchFamily="2" charset="2"/>
+              <a:buChar char="Ø"/>
+            </a:pPr>
+            <a:r>
+              <a:rPr lang="fr-FR" dirty="0"/>
+              <a:t> une </a:t>
+            </a:r>
+            <a:r>
+              <a:rPr lang="fr-FR" dirty="0" err="1"/>
+              <a:t>SDL_Texture</a:t>
+            </a:r>
+            <a:r>
+              <a:rPr lang="fr-FR" dirty="0"/>
+              <a:t> contenant l’image de notre </a:t>
+            </a:r>
+            <a:r>
+              <a:rPr lang="fr-FR" dirty="0" err="1"/>
+              <a:t>tileset</a:t>
+            </a:r>
+            <a:endParaRPr lang="fr-FR" dirty="0"/>
+          </a:p>
+          <a:p>
+            <a:pPr lvl="1">
+              <a:buFont typeface="Wingdings" panose="05000000000000000000" pitchFamily="2" charset="2"/>
+              <a:buChar char="Ø"/>
+            </a:pPr>
+            <a:r>
+              <a:rPr lang="fr-FR" dirty="0"/>
+              <a:t> tableau de </a:t>
+            </a:r>
+            <a:r>
+              <a:rPr lang="fr-FR" dirty="0" err="1" smtClean="0"/>
+              <a:t>Tile</a:t>
+            </a:r>
+            <a:r>
+              <a:rPr lang="fr-FR" smtClean="0"/>
+              <a:t> (</a:t>
+            </a:r>
+            <a:r>
+              <a:rPr lang="fr-FR" dirty="0" err="1"/>
+              <a:t>SDL_Rect</a:t>
+            </a:r>
+            <a:r>
+              <a:rPr lang="fr-FR" dirty="0"/>
+              <a:t>) contenant la position de chaque </a:t>
+            </a:r>
+            <a:r>
+              <a:rPr lang="fr-FR" dirty="0" err="1"/>
+              <a:t>tile</a:t>
+            </a:r>
+            <a:r>
+              <a:rPr lang="fr-FR" dirty="0"/>
+              <a:t> dans le </a:t>
+            </a:r>
+            <a:r>
+              <a:rPr lang="fr-FR" dirty="0" err="1" smtClean="0"/>
+              <a:t>tileset</a:t>
+            </a:r>
+            <a:endParaRPr lang="fr-FR" dirty="0" smtClean="0"/>
+          </a:p>
+          <a:p>
+            <a:pPr lvl="1">
+              <a:buFont typeface="Wingdings" panose="05000000000000000000" pitchFamily="2" charset="2"/>
+              <a:buChar char="Ø"/>
+            </a:pPr>
+            <a:r>
+              <a:rPr lang="fr-FR" dirty="0" smtClean="0"/>
+              <a:t>Pointeur sur le jeu </a:t>
+            </a:r>
+            <a:r>
+              <a:rPr lang="fr-FR" dirty="0" err="1" smtClean="0"/>
+              <a:t>appellant</a:t>
+            </a:r>
+            <a:r>
+              <a:rPr lang="fr-FR" dirty="0" smtClean="0"/>
+              <a:t>, pour aller chercher le </a:t>
+            </a:r>
+            <a:r>
+              <a:rPr lang="fr-FR" dirty="0" err="1" smtClean="0"/>
+              <a:t>tile</a:t>
+            </a:r>
+            <a:r>
+              <a:rPr lang="fr-FR" dirty="0" smtClean="0"/>
+              <a:t> des unités à afficher</a:t>
+            </a:r>
+          </a:p>
+          <a:p>
+            <a:pPr lvl="1">
+              <a:buFont typeface="Wingdings" panose="05000000000000000000" pitchFamily="2" charset="2"/>
+              <a:buChar char="Ø"/>
+            </a:pPr>
+            <a:r>
+              <a:rPr lang="fr-FR" dirty="0" smtClean="0"/>
+              <a:t>Pointeur sur le terrain qui est la carte du jeu</a:t>
+            </a:r>
+          </a:p>
+          <a:p>
+            <a:pPr lvl="1">
+              <a:buFont typeface="Wingdings" panose="05000000000000000000" pitchFamily="2" charset="2"/>
+              <a:buChar char="Ø"/>
+            </a:pPr>
+            <a:r>
+              <a:rPr lang="fr-FR" dirty="0" smtClean="0"/>
+              <a:t>Différents pointeurs nécessaire à l’affichage avec SDL ( </a:t>
+            </a:r>
+            <a:r>
+              <a:rPr lang="fr-FR" dirty="0" err="1" smtClean="0"/>
+              <a:t>SDL_Window</a:t>
+            </a:r>
+            <a:r>
+              <a:rPr lang="fr-FR" dirty="0" smtClean="0"/>
+              <a:t>, </a:t>
+            </a:r>
+            <a:r>
+              <a:rPr lang="fr-FR" dirty="0" err="1" smtClean="0"/>
+              <a:t>SDL_Renderer</a:t>
+            </a:r>
+            <a:r>
+              <a:rPr lang="fr-FR" dirty="0" smtClean="0"/>
+              <a:t> …)</a:t>
+            </a:r>
+            <a:endParaRPr lang="fr-FR" dirty="0"/>
+          </a:p>
+          <a:p>
+            <a:pPr>
+              <a:buFont typeface="Wingdings" panose="05000000000000000000" pitchFamily="2" charset="2"/>
+              <a:buChar char="Ø"/>
+            </a:pPr>
+            <a:r>
+              <a:rPr lang="fr-FR" dirty="0" smtClean="0"/>
+              <a:t> trois fonctions d’affichage </a:t>
+            </a:r>
+            <a:r>
+              <a:rPr lang="fr-FR" dirty="0" err="1" smtClean="0"/>
+              <a:t>appellé</a:t>
+            </a:r>
+            <a:r>
+              <a:rPr lang="fr-FR" dirty="0" smtClean="0"/>
+              <a:t> à différente partie du jeu (jeu, menu, fin de partie)</a:t>
+            </a:r>
+          </a:p>
+          <a:p>
+            <a:pPr>
+              <a:buFont typeface="Wingdings" panose="05000000000000000000" pitchFamily="2" charset="2"/>
+              <a:buChar char="Ø"/>
+            </a:pPr>
+            <a:endParaRPr lang="fr-FR" dirty="0" smtClean="0"/>
           </a:p>
         </p:txBody>
       </p:sp>
@@ -4031,10 +4188,10 @@
           <a:lstStyle/>
           <a:p>
             <a:r>
-              <a:rPr lang="fr-FR" smtClean="0"/>
+              <a:rPr lang="fr-FR" dirty="0" smtClean="0"/>
               <a:t>Adrien Baud &amp; Diego Roussel - Panique à la mine</a:t>
             </a:r>
-            <a:endParaRPr lang="en-US"/>
+            <a:endParaRPr lang="en-US" dirty="0"/>
           </a:p>
         </p:txBody>
       </p:sp>
@@ -4605,11 +4762,7 @@
             </a:r>
             <a:r>
               <a:rPr lang="fr-FR" dirty="0" smtClean="0"/>
-              <a:t>Prof </a:t>
-            </a:r>
-            <a:r>
-              <a:rPr lang="fr-FR" dirty="0" smtClean="0"/>
-              <a:t>3</a:t>
+              <a:t>Prof 3</a:t>
             </a:r>
           </a:p>
           <a:p>

--- a/Panique à la mine.pptx
+++ b/Panique à la mine.pptx
@@ -3974,23 +3974,8 @@
           <a:p>
             <a:pPr algn="ctr"/>
             <a:r>
-              <a:rPr lang="fr-FR" dirty="0" smtClean="0"/>
+              <a:rPr lang="fr-FR" smtClean="0"/>
               <a:t>Affichage</a:t>
-            </a:r>
-            <a:br>
-              <a:rPr lang="fr-FR" dirty="0" smtClean="0"/>
-            </a:br>
-            <a:r>
-              <a:rPr lang="fr-FR" dirty="0" smtClean="0"/>
-              <a:t>(Structure </a:t>
-            </a:r>
-            <a:r>
-              <a:rPr lang="fr-FR" dirty="0" err="1" smtClean="0"/>
-              <a:t>AfficheSDL</a:t>
-            </a:r>
-            <a:r>
-              <a:rPr lang="fr-FR" dirty="0" smtClean="0"/>
-              <a:t>)</a:t>
             </a:r>
             <a:endParaRPr lang="fr-FR" dirty="0"/>
           </a:p>
@@ -4057,7 +4042,7 @@
               <a:t>Tile</a:t>
             </a:r>
             <a:r>
-              <a:rPr lang="fr-FR" smtClean="0"/>
+              <a:rPr lang="fr-FR" dirty="0" smtClean="0"/>
               <a:t> (</a:t>
             </a:r>
             <a:r>
@@ -5410,6 +5395,30 @@
           </a:p>
         </p:txBody>
       </p:sp>
+      <p:pic>
+        <p:nvPicPr>
+          <p:cNvPr id="7" name="Image 6"/>
+          <p:cNvPicPr>
+            <a:picLocks noChangeAspect="1"/>
+          </p:cNvPicPr>
+          <p:nvPr/>
+        </p:nvPicPr>
+        <p:blipFill>
+          <a:blip r:embed="rId2"/>
+          <a:stretch>
+            <a:fillRect/>
+          </a:stretch>
+        </p:blipFill>
+        <p:spPr>
+          <a:xfrm>
+            <a:off x="6096000" y="1646238"/>
+            <a:ext cx="5127536" cy="3995152"/>
+          </a:xfrm>
+          <a:prstGeom prst="rect">
+            <a:avLst/>
+          </a:prstGeom>
+        </p:spPr>
+      </p:pic>
     </p:spTree>
     <p:extLst>
       <p:ext uri="{BB962C8B-B14F-4D97-AF65-F5344CB8AC3E}">
@@ -5689,6 +5698,36 @@
           </a:p>
         </p:txBody>
       </p:sp>
+      <p:pic>
+        <p:nvPicPr>
+          <p:cNvPr id="8" name="Image 7"/>
+          <p:cNvPicPr>
+            <a:picLocks noChangeAspect="1"/>
+          </p:cNvPicPr>
+          <p:nvPr/>
+        </p:nvPicPr>
+        <p:blipFill>
+          <a:blip r:embed="rId2">
+            <a:extLst>
+              <a:ext uri="{28A0092B-C50C-407E-A947-70E740481C1C}">
+                <a14:useLocalDpi xmlns:a14="http://schemas.microsoft.com/office/drawing/2010/main" val="0"/>
+              </a:ext>
+            </a:extLst>
+          </a:blip>
+          <a:stretch>
+            <a:fillRect/>
+          </a:stretch>
+        </p:blipFill>
+        <p:spPr>
+          <a:xfrm>
+            <a:off x="5409128" y="1570150"/>
+            <a:ext cx="4312236" cy="4312236"/>
+          </a:xfrm>
+          <a:prstGeom prst="rect">
+            <a:avLst/>
+          </a:prstGeom>
+        </p:spPr>
+      </p:pic>
     </p:spTree>
     <p:extLst>
       <p:ext uri="{BB962C8B-B14F-4D97-AF65-F5344CB8AC3E}">
